--- a/Documentação/Projeto/Apresentação.pptx
+++ b/Documentação/Projeto/Apresentação.pptx
@@ -204,7 +204,7 @@
             <a:fld id="{D4D74DF4-3340-4C2C-BFD7-DAF2CAB91795}" type="datetimeFigureOut">
               <a:rPr lang="pt-BR" smtClean="0"/>
               <a:pPr/>
-              <a:t>16/06/2009</a:t>
+              <a:t>17/06/2009</a:t>
             </a:fld>
             <a:endParaRPr lang="pt-BR"/>
           </a:p>
@@ -1703,7 +1703,7 @@
             <a:fld id="{2E700DB3-DBF0-4086-B675-117E7A9610B8}" type="datetimeFigureOut">
               <a:rPr lang="pt-BR" smtClean="0"/>
               <a:pPr/>
-              <a:t>16/06/2009</a:t>
+              <a:t>17/06/2009</a:t>
             </a:fld>
             <a:endParaRPr lang="pt-BR"/>
           </a:p>
@@ -1928,7 +1928,7 @@
             <a:fld id="{2E700DB3-DBF0-4086-B675-117E7A9610B8}" type="datetimeFigureOut">
               <a:rPr lang="pt-BR" smtClean="0"/>
               <a:pPr/>
-              <a:t>16/06/2009</a:t>
+              <a:t>17/06/2009</a:t>
             </a:fld>
             <a:endParaRPr lang="pt-BR"/>
           </a:p>
@@ -2210,7 +2210,7 @@
             <a:fld id="{2E700DB3-DBF0-4086-B675-117E7A9610B8}" type="datetimeFigureOut">
               <a:rPr lang="pt-BR" smtClean="0"/>
               <a:pPr/>
-              <a:t>16/06/2009</a:t>
+              <a:t>17/06/2009</a:t>
             </a:fld>
             <a:endParaRPr lang="pt-BR"/>
           </a:p>
@@ -2391,7 +2391,7 @@
             <a:fld id="{2E700DB3-DBF0-4086-B675-117E7A9610B8}" type="datetimeFigureOut">
               <a:rPr lang="pt-BR" smtClean="0"/>
               <a:pPr/>
-              <a:t>16/06/2009</a:t>
+              <a:t>17/06/2009</a:t>
             </a:fld>
             <a:endParaRPr lang="pt-BR"/>
           </a:p>
@@ -2751,7 +2751,7 @@
             <a:fld id="{2E700DB3-DBF0-4086-B675-117E7A9610B8}" type="datetimeFigureOut">
               <a:rPr lang="pt-BR" smtClean="0"/>
               <a:pPr/>
-              <a:t>16/06/2009</a:t>
+              <a:t>17/06/2009</a:t>
             </a:fld>
             <a:endParaRPr lang="pt-BR"/>
           </a:p>
@@ -3040,7 +3040,7 @@
             <a:fld id="{2E700DB3-DBF0-4086-B675-117E7A9610B8}" type="datetimeFigureOut">
               <a:rPr lang="pt-BR" smtClean="0"/>
               <a:pPr/>
-              <a:t>16/06/2009</a:t>
+              <a:t>17/06/2009</a:t>
             </a:fld>
             <a:endParaRPr lang="pt-BR"/>
           </a:p>
@@ -3464,7 +3464,7 @@
             <a:fld id="{2E700DB3-DBF0-4086-B675-117E7A9610B8}" type="datetimeFigureOut">
               <a:rPr lang="pt-BR" smtClean="0"/>
               <a:pPr/>
-              <a:t>16/06/2009</a:t>
+              <a:t>17/06/2009</a:t>
             </a:fld>
             <a:endParaRPr lang="pt-BR"/>
           </a:p>
@@ -3581,7 +3581,7 @@
             <a:fld id="{2E700DB3-DBF0-4086-B675-117E7A9610B8}" type="datetimeFigureOut">
               <a:rPr lang="pt-BR" smtClean="0"/>
               <a:pPr/>
-              <a:t>16/06/2009</a:t>
+              <a:t>17/06/2009</a:t>
             </a:fld>
             <a:endParaRPr lang="pt-BR"/>
           </a:p>
@@ -3673,7 +3673,7 @@
             <a:fld id="{2E700DB3-DBF0-4086-B675-117E7A9610B8}" type="datetimeFigureOut">
               <a:rPr lang="pt-BR" smtClean="0"/>
               <a:pPr/>
-              <a:t>16/06/2009</a:t>
+              <a:t>17/06/2009</a:t>
             </a:fld>
             <a:endParaRPr lang="pt-BR"/>
           </a:p>
@@ -3953,7 +3953,7 @@
             <a:fld id="{2E700DB3-DBF0-4086-B675-117E7A9610B8}" type="datetimeFigureOut">
               <a:rPr lang="pt-BR" smtClean="0"/>
               <a:pPr/>
-              <a:t>16/06/2009</a:t>
+              <a:t>17/06/2009</a:t>
             </a:fld>
             <a:endParaRPr lang="pt-BR"/>
           </a:p>
@@ -4321,7 +4321,7 @@
             <a:fld id="{2E700DB3-DBF0-4086-B675-117E7A9610B8}" type="datetimeFigureOut">
               <a:rPr lang="pt-BR" smtClean="0"/>
               <a:pPr/>
-              <a:t>16/06/2009</a:t>
+              <a:t>17/06/2009</a:t>
             </a:fld>
             <a:endParaRPr lang="pt-BR"/>
           </a:p>
@@ -4760,7 +4760,7 @@
             <a:fld id="{2E700DB3-DBF0-4086-B675-117E7A9610B8}" type="datetimeFigureOut">
               <a:rPr lang="pt-BR" smtClean="0"/>
               <a:pPr/>
-              <a:t>16/06/2009</a:t>
+              <a:t>17/06/2009</a:t>
             </a:fld>
             <a:endParaRPr lang="pt-BR"/>
           </a:p>
@@ -5227,15 +5227,7 @@
           <a:p>
             <a:r>
               <a:rPr lang="pt-BR" dirty="0" smtClean="0"/>
-              <a:t>Desenho</a:t>
-            </a:r>
-            <a:r>
-              <a:rPr lang="pt-BR" dirty="0" smtClean="0"/>
-              <a:t> </a:t>
-            </a:r>
-            <a:r>
-              <a:rPr lang="pt-BR" dirty="0" smtClean="0"/>
-              <a:t>- 1.00</a:t>
+              <a:t>Desenho - 1.00</a:t>
             </a:r>
           </a:p>
         </p:txBody>
@@ -5679,31 +5671,14 @@
             <a:pPr algn="just"/>
             <a:r>
               <a:rPr lang="pt-BR" dirty="0" smtClean="0"/>
-              <a:t>Versão Alfa e </a:t>
-            </a:r>
+              <a:t>Versão Alfa e Plano de testes:</a:t>
+            </a:r>
+          </a:p>
+          <a:p>
+            <a:pPr lvl="1"/>
             <a:r>
               <a:rPr lang="pt-BR" dirty="0" smtClean="0"/>
-              <a:t>Plano de </a:t>
-            </a:r>
-            <a:r>
-              <a:rPr lang="pt-BR" dirty="0" smtClean="0"/>
-              <a:t>testes:</a:t>
-            </a:r>
-            <a:endParaRPr lang="pt-BR" dirty="0" smtClean="0"/>
-          </a:p>
-          <a:p>
-            <a:pPr lvl="1"/>
-            <a:r>
-              <a:rPr lang="pt-BR" dirty="0" smtClean="0"/>
-              <a:t>4º </a:t>
-            </a:r>
-            <a:r>
-              <a:rPr lang="pt-BR" dirty="0" smtClean="0"/>
-              <a:t>seminário: </a:t>
-            </a:r>
-            <a:r>
-              <a:rPr lang="pt-BR" dirty="0" smtClean="0"/>
-              <a:t>01/07/2009</a:t>
+              <a:t>4º seminário: 01/07/2009</a:t>
             </a:r>
             <a:endParaRPr lang="pt-BR" dirty="0"/>
           </a:p>
@@ -5872,44 +5847,35 @@
               <a:rPr lang="pt-BR" dirty="0" smtClean="0"/>
               <a:t>TEN</a:t>
             </a:r>
-            <a:endParaRPr lang="pt-BR" dirty="0" smtClean="0"/>
           </a:p>
           <a:p>
             <a:r>
               <a:rPr lang="pt-BR" dirty="0" smtClean="0"/>
               <a:t>Módulos</a:t>
             </a:r>
-            <a:endParaRPr lang="pt-BR" dirty="0" smtClean="0"/>
           </a:p>
           <a:p>
             <a:r>
               <a:rPr lang="pt-BR" dirty="0" smtClean="0"/>
               <a:t>Processos Concorrentes</a:t>
             </a:r>
-            <a:endParaRPr lang="pt-BR" dirty="0" smtClean="0"/>
           </a:p>
           <a:p>
             <a:r>
               <a:rPr lang="pt-BR" dirty="0" smtClean="0"/>
               <a:t>Dependências entre módulos</a:t>
             </a:r>
-            <a:endParaRPr lang="pt-BR" dirty="0" smtClean="0"/>
           </a:p>
           <a:p>
             <a:r>
               <a:rPr lang="pt-BR" dirty="0" smtClean="0"/>
               <a:t>Dependências entre processos</a:t>
             </a:r>
-            <a:endParaRPr lang="pt-BR" dirty="0" smtClean="0"/>
           </a:p>
           <a:p>
             <a:r>
               <a:rPr lang="pt-BR" dirty="0" smtClean="0"/>
-              <a:t>Diagrama de </a:t>
-            </a:r>
-            <a:r>
-              <a:rPr lang="pt-BR" dirty="0" smtClean="0"/>
-              <a:t>Pacotes</a:t>
+              <a:t>Diagrama de Pacotes</a:t>
             </a:r>
           </a:p>
           <a:p>
@@ -5917,7 +5883,6 @@
               <a:rPr lang="pt-BR" dirty="0" smtClean="0"/>
               <a:t>Interfaces</a:t>
             </a:r>
-            <a:endParaRPr lang="pt-BR" dirty="0" smtClean="0"/>
           </a:p>
           <a:p>
             <a:endParaRPr lang="pt-BR" dirty="0" smtClean="0"/>
@@ -6078,11 +6043,7 @@
             <a:pPr lvl="0" algn="just"/>
             <a:r>
               <a:rPr lang="pt-BR" dirty="0" smtClean="0"/>
-              <a:t>Simulação do tráfego de </a:t>
-            </a:r>
-            <a:r>
-              <a:rPr lang="pt-BR" dirty="0" smtClean="0"/>
-              <a:t>automóveis</a:t>
+              <a:t>Simulação do tráfego de automóveis</a:t>
             </a:r>
           </a:p>
           <a:p>
@@ -6093,11 +6054,7 @@
             <a:pPr algn="just"/>
             <a:r>
               <a:rPr lang="pt-BR" dirty="0" smtClean="0"/>
-              <a:t>Região criada pelo </a:t>
-            </a:r>
-            <a:r>
-              <a:rPr lang="pt-BR" dirty="0" smtClean="0"/>
-              <a:t>usuário</a:t>
+              <a:t>Região criada pelo usuário</a:t>
             </a:r>
           </a:p>
           <a:p>
@@ -6108,11 +6065,7 @@
             <a:pPr algn="just"/>
             <a:r>
               <a:rPr lang="pt-BR" dirty="0" smtClean="0"/>
-              <a:t>Criação de mapas </a:t>
-            </a:r>
-            <a:r>
-              <a:rPr lang="pt-BR" dirty="0" smtClean="0"/>
-              <a:t>simples</a:t>
+              <a:t>Criação de mapas simples</a:t>
             </a:r>
           </a:p>
         </p:txBody>

--- a/Documentação/Projeto/Apresentação.pptx
+++ b/Documentação/Projeto/Apresentação.pptx
@@ -12,8 +12,8 @@
     <p:sldId id="257" r:id="rId3"/>
     <p:sldId id="258" r:id="rId4"/>
     <p:sldId id="259" r:id="rId5"/>
-    <p:sldId id="276" r:id="rId6"/>
-    <p:sldId id="277" r:id="rId7"/>
+    <p:sldId id="277" r:id="rId6"/>
+    <p:sldId id="276" r:id="rId7"/>
     <p:sldId id="278" r:id="rId8"/>
     <p:sldId id="279" r:id="rId9"/>
     <p:sldId id="280" r:id="rId10"/>
@@ -5857,20 +5857,38 @@
           <a:p>
             <a:r>
               <a:rPr lang="pt-BR" dirty="0" smtClean="0"/>
-              <a:t>Processos Concorrentes</a:t>
-            </a:r>
-          </a:p>
-          <a:p>
+              <a:t>Dependências entre </a:t>
+            </a:r>
             <a:r>
               <a:rPr lang="pt-BR" dirty="0" smtClean="0"/>
-              <a:t>Dependências entre módulos</a:t>
-            </a:r>
+              <a:t>Módulos</a:t>
+            </a:r>
+            <a:endParaRPr lang="pt-BR" dirty="0" smtClean="0"/>
           </a:p>
           <a:p>
             <a:r>
               <a:rPr lang="pt-BR" dirty="0" smtClean="0"/>
-              <a:t>Dependências entre processos</a:t>
-            </a:r>
+              <a:t>Processos </a:t>
+            </a:r>
+            <a:r>
+              <a:rPr lang="pt-BR" dirty="0" smtClean="0"/>
+              <a:t>Concorrentes</a:t>
+            </a:r>
+          </a:p>
+          <a:p>
+            <a:r>
+              <a:rPr lang="pt-BR" dirty="0" smtClean="0"/>
+              <a:t>Dependências </a:t>
+            </a:r>
+            <a:r>
+              <a:rPr lang="pt-BR" dirty="0" smtClean="0"/>
+              <a:t>entre </a:t>
+            </a:r>
+            <a:r>
+              <a:rPr lang="pt-BR" dirty="0" smtClean="0"/>
+              <a:t>Processos</a:t>
+            </a:r>
+            <a:endParaRPr lang="pt-BR" dirty="0" smtClean="0"/>
           </a:p>
           <a:p>
             <a:r>
@@ -5898,7 +5916,7 @@
           <p:nvPr/>
         </p:nvPicPr>
         <p:blipFill>
-          <a:blip r:embed="rId3"/>
+          <a:blip r:embed="rId3" cstate="print"/>
           <a:srcRect/>
           <a:stretch>
             <a:fillRect/>
@@ -5906,8 +5924,8 @@
         </p:blipFill>
         <p:spPr bwMode="auto">
           <a:xfrm>
-            <a:off x="5976990" y="2071678"/>
-            <a:ext cx="2738414" cy="1822757"/>
+            <a:off x="6286512" y="2285992"/>
+            <a:ext cx="2357454" cy="1569180"/>
           </a:xfrm>
           <a:prstGeom prst="rect">
             <a:avLst/>
@@ -5973,7 +5991,7 @@
         </p:blipFill>
         <p:spPr bwMode="auto">
           <a:xfrm>
-            <a:off x="7000892" y="2552727"/>
+            <a:off x="6500826" y="3214686"/>
             <a:ext cx="1729934" cy="2305033"/>
           </a:xfrm>
           <a:prstGeom prst="rect">
@@ -6291,93 +6309,70 @@
           <a:p>
             <a:r>
               <a:rPr lang="pt-BR" dirty="0" smtClean="0"/>
-              <a:t>Processos Concorrentes</a:t>
+              <a:t>Dependências entre Módulos</a:t>
             </a:r>
             <a:endParaRPr lang="pt-BR" dirty="0"/>
           </a:p>
         </p:txBody>
       </p:sp>
-      <p:pic>
-        <p:nvPicPr>
-          <p:cNvPr id="5" name="Imagem 4" descr="concorrencia1.jpg"/>
-          <p:cNvPicPr>
-            <a:picLocks noChangeAspect="1"/>
-          </p:cNvPicPr>
+      <p:sp>
+        <p:nvSpPr>
+          <p:cNvPr id="37895" name="Rectangle 7"/>
+          <p:cNvSpPr>
+            <a:spLocks noChangeArrowheads="1"/>
+          </p:cNvSpPr>
           <p:nvPr/>
-        </p:nvPicPr>
-        <p:blipFill>
-          <a:blip r:embed="rId3"/>
-          <a:stretch>
-            <a:fillRect/>
-          </a:stretch>
-        </p:blipFill>
-        <p:spPr>
+        </p:nvSpPr>
+        <p:spPr bwMode="auto">
           <a:xfrm>
-            <a:off x="5072066" y="1785926"/>
-            <a:ext cx="3143611" cy="2362199"/>
+            <a:off x="0" y="0"/>
+            <a:ext cx="9144000" cy="0"/>
           </a:xfrm>
-          <a:prstGeom prst="roundRect">
-            <a:avLst>
-              <a:gd name="adj" fmla="val 8594"/>
-            </a:avLst>
+          <a:prstGeom prst="rect">
+            <a:avLst/>
           </a:prstGeom>
-          <a:solidFill>
-            <a:srgbClr val="FFFFFF">
-              <a:shade val="85000"/>
-            </a:srgbClr>
-          </a:solidFill>
-          <a:ln>
+          <a:noFill/>
+          <a:ln w="9525">
             <a:noFill/>
+            <a:miter lim="800000"/>
+            <a:headEnd/>
+            <a:tailEnd/>
           </a:ln>
-          <a:effectLst>
-            <a:reflection blurRad="12700" stA="38000" endPos="28000" dist="5000" dir="5400000" sy="-100000" algn="bl" rotWithShape="0"/>
-          </a:effectLst>
+          <a:effectLst/>
         </p:spPr>
-      </p:pic>
-      <p:sp>
-        <p:nvSpPr>
-          <p:cNvPr id="3" name="Espaço Reservado para Conteúdo 2"/>
-          <p:cNvSpPr>
-            <a:spLocks noGrp="1"/>
-          </p:cNvSpPr>
-          <p:nvPr>
-            <p:ph idx="1"/>
-          </p:nvPr>
-        </p:nvSpPr>
-        <p:spPr/>
-        <p:txBody>
-          <a:bodyPr/>
-          <a:lstStyle/>
-          <a:p>
-            <a:endParaRPr lang="pt-BR" dirty="0" smtClean="0"/>
-          </a:p>
-          <a:p>
-            <a:r>
-              <a:rPr lang="pt-BR" dirty="0" smtClean="0"/>
-              <a:t>Interface</a:t>
-            </a:r>
-          </a:p>
-          <a:p>
-            <a:endParaRPr lang="pt-BR" dirty="0" smtClean="0"/>
-          </a:p>
-          <a:p>
-            <a:r>
-              <a:rPr lang="pt-BR" dirty="0" smtClean="0"/>
-              <a:t>Simulação</a:t>
-            </a:r>
-          </a:p>
-          <a:p>
-            <a:endParaRPr lang="pt-BR" dirty="0" smtClean="0"/>
-          </a:p>
-          <a:p>
-            <a:r>
-              <a:rPr lang="pt-BR" dirty="0" smtClean="0"/>
-              <a:t>Controle de Redesenho da Interface</a:t>
-            </a:r>
-            <a:endParaRPr lang="pt-BR" dirty="0"/>
-          </a:p>
-        </p:txBody>
-      </p:sp>
+        <p:txBody>
+          <a:bodyPr vert="horz" wrap="none" lIns="91440" tIns="45720" rIns="91440" bIns="45720" numCol="1" anchor="ctr" anchorCtr="0" compatLnSpc="1">
+            <a:prstTxWarp prst="textNoShape">
+              <a:avLst/>
+            </a:prstTxWarp>
+            <a:spAutoFit/>
+          </a:bodyPr>
+          <a:lstStyle/>
+          <a:p>
+            <a:endParaRPr lang="pt-BR"/>
+          </a:p>
+        </p:txBody>
+      </p:sp>
+      <p:graphicFrame>
+        <p:nvGraphicFramePr>
+          <p:cNvPr id="12" name="Object 6"/>
+          <p:cNvGraphicFramePr>
+            <a:graphicFrameLocks noChangeAspect="1"/>
+          </p:cNvGraphicFramePr>
+          <p:nvPr/>
+        </p:nvGraphicFramePr>
+        <p:xfrm>
+          <a:off x="1347780" y="1785926"/>
+          <a:ext cx="6448440" cy="4779264"/>
+        </p:xfrm>
+        <a:graphic>
+          <a:graphicData uri="http://schemas.openxmlformats.org/presentationml/2006/ole">
+            <p:oleObj spid="_x0000_s37896" name="Visio" r:id="rId4" imgW="4301187" imgH="3194185" progId="Visio.Drawing.11">
+              <p:embed/>
+            </p:oleObj>
+          </a:graphicData>
+        </a:graphic>
+      </p:graphicFrame>
     </p:spTree>
   </p:cSld>
   <p:clrMapOvr>
@@ -6427,70 +6422,93 @@
           <a:p>
             <a:r>
               <a:rPr lang="pt-BR" dirty="0" smtClean="0"/>
-              <a:t>Dependências entre Módulos</a:t>
+              <a:t>Processos Concorrentes</a:t>
             </a:r>
             <a:endParaRPr lang="pt-BR" dirty="0"/>
           </a:p>
         </p:txBody>
       </p:sp>
-      <p:sp>
-        <p:nvSpPr>
-          <p:cNvPr id="37895" name="Rectangle 7"/>
-          <p:cNvSpPr>
-            <a:spLocks noChangeArrowheads="1"/>
-          </p:cNvSpPr>
+      <p:pic>
+        <p:nvPicPr>
+          <p:cNvPr id="5" name="Imagem 4" descr="concorrencia1.jpg"/>
+          <p:cNvPicPr>
+            <a:picLocks noChangeAspect="1"/>
+          </p:cNvPicPr>
           <p:nvPr/>
-        </p:nvSpPr>
-        <p:spPr bwMode="auto">
+        </p:nvPicPr>
+        <p:blipFill>
+          <a:blip r:embed="rId3"/>
+          <a:stretch>
+            <a:fillRect/>
+          </a:stretch>
+        </p:blipFill>
+        <p:spPr>
           <a:xfrm>
-            <a:off x="0" y="0"/>
-            <a:ext cx="9144000" cy="0"/>
+            <a:off x="5786446" y="1928802"/>
+            <a:ext cx="2714983" cy="2040116"/>
           </a:xfrm>
-          <a:prstGeom prst="rect">
-            <a:avLst/>
+          <a:prstGeom prst="roundRect">
+            <a:avLst>
+              <a:gd name="adj" fmla="val 8594"/>
+            </a:avLst>
           </a:prstGeom>
-          <a:noFill/>
-          <a:ln w="9525">
+          <a:solidFill>
+            <a:srgbClr val="FFFFFF">
+              <a:shade val="85000"/>
+            </a:srgbClr>
+          </a:solidFill>
+          <a:ln>
             <a:noFill/>
-            <a:miter lim="800000"/>
-            <a:headEnd/>
-            <a:tailEnd/>
           </a:ln>
-          <a:effectLst/>
+          <a:effectLst>
+            <a:reflection blurRad="12700" stA="38000" endPos="28000" dist="5000" dir="5400000" sy="-100000" algn="bl" rotWithShape="0"/>
+          </a:effectLst>
         </p:spPr>
-        <p:txBody>
-          <a:bodyPr vert="horz" wrap="none" lIns="91440" tIns="45720" rIns="91440" bIns="45720" numCol="1" anchor="ctr" anchorCtr="0" compatLnSpc="1">
-            <a:prstTxWarp prst="textNoShape">
-              <a:avLst/>
-            </a:prstTxWarp>
-            <a:spAutoFit/>
-          </a:bodyPr>
-          <a:lstStyle/>
-          <a:p>
-            <a:endParaRPr lang="pt-BR"/>
-          </a:p>
-        </p:txBody>
-      </p:sp>
-      <p:graphicFrame>
-        <p:nvGraphicFramePr>
-          <p:cNvPr id="12" name="Object 6"/>
-          <p:cNvGraphicFramePr>
-            <a:graphicFrameLocks noChangeAspect="1"/>
-          </p:cNvGraphicFramePr>
-          <p:nvPr/>
-        </p:nvGraphicFramePr>
-        <p:xfrm>
-          <a:off x="1347780" y="1785926"/>
-          <a:ext cx="6448440" cy="4779264"/>
-        </p:xfrm>
-        <a:graphic>
-          <a:graphicData uri="http://schemas.openxmlformats.org/presentationml/2006/ole">
-            <p:oleObj spid="_x0000_s37896" name="Visio" r:id="rId4" imgW="4301187" imgH="3194185" progId="Visio.Drawing.11">
-              <p:embed/>
-            </p:oleObj>
-          </a:graphicData>
-        </a:graphic>
-      </p:graphicFrame>
+      </p:pic>
+      <p:sp>
+        <p:nvSpPr>
+          <p:cNvPr id="3" name="Espaço Reservado para Conteúdo 2"/>
+          <p:cNvSpPr>
+            <a:spLocks noGrp="1"/>
+          </p:cNvSpPr>
+          <p:nvPr>
+            <p:ph idx="1"/>
+          </p:nvPr>
+        </p:nvSpPr>
+        <p:spPr/>
+        <p:txBody>
+          <a:bodyPr/>
+          <a:lstStyle/>
+          <a:p>
+            <a:endParaRPr lang="pt-BR" dirty="0" smtClean="0"/>
+          </a:p>
+          <a:p>
+            <a:r>
+              <a:rPr lang="pt-BR" dirty="0" smtClean="0"/>
+              <a:t>Interface</a:t>
+            </a:r>
+          </a:p>
+          <a:p>
+            <a:endParaRPr lang="pt-BR" dirty="0" smtClean="0"/>
+          </a:p>
+          <a:p>
+            <a:r>
+              <a:rPr lang="pt-BR" dirty="0" smtClean="0"/>
+              <a:t>Simulação</a:t>
+            </a:r>
+          </a:p>
+          <a:p>
+            <a:endParaRPr lang="pt-BR" dirty="0" smtClean="0"/>
+          </a:p>
+          <a:p>
+            <a:r>
+              <a:rPr lang="pt-BR" dirty="0" smtClean="0"/>
+              <a:t>Controle de Redesenho da Interface</a:t>
+            </a:r>
+            <a:endParaRPr lang="pt-BR" dirty="0"/>
+          </a:p>
+        </p:txBody>
+      </p:sp>
     </p:spTree>
   </p:cSld>
   <p:clrMapOvr>
@@ -6820,7 +6838,12 @@
             <p:ph idx="1"/>
           </p:nvPr>
         </p:nvSpPr>
-        <p:spPr/>
+        <p:spPr>
+          <a:xfrm>
+            <a:off x="457200" y="1660891"/>
+            <a:ext cx="8229600" cy="653677"/>
+          </a:xfrm>
+        </p:spPr>
         <p:txBody>
           <a:bodyPr/>
           <a:lstStyle/>
@@ -6850,7 +6873,7 @@
         </p:blipFill>
         <p:spPr bwMode="auto">
           <a:xfrm>
-            <a:off x="761207" y="2500306"/>
+            <a:off x="761207" y="2357430"/>
             <a:ext cx="7621587" cy="4200525"/>
           </a:xfrm>
           <a:prstGeom prst="rect">
